--- a/src/web/images/NIDB_logo.pptx
+++ b/src/web/images/NIDB_logo.pptx
@@ -289,7 +289,7 @@
             <a:fld id="{09195D82-D22B-4347-BB61-719E2A559A50}" type="datetimeFigureOut">
               <a:rPr lang="en-US" smtClean="0"/>
               <a:pPr/>
-              <a:t>9/25/2012</a:t>
+              <a:t>2/14/2020</a:t>
             </a:fld>
             <a:endParaRPr lang="en-US"/>
           </a:p>
@@ -456,7 +456,7 @@
             <a:fld id="{09195D82-D22B-4347-BB61-719E2A559A50}" type="datetimeFigureOut">
               <a:rPr lang="en-US" smtClean="0"/>
               <a:pPr/>
-              <a:t>9/25/2012</a:t>
+              <a:t>2/14/2020</a:t>
             </a:fld>
             <a:endParaRPr lang="en-US"/>
           </a:p>
@@ -633,7 +633,7 @@
             <a:fld id="{09195D82-D22B-4347-BB61-719E2A559A50}" type="datetimeFigureOut">
               <a:rPr lang="en-US" smtClean="0"/>
               <a:pPr/>
-              <a:t>9/25/2012</a:t>
+              <a:t>2/14/2020</a:t>
             </a:fld>
             <a:endParaRPr lang="en-US"/>
           </a:p>
@@ -800,7 +800,7 @@
             <a:fld id="{09195D82-D22B-4347-BB61-719E2A559A50}" type="datetimeFigureOut">
               <a:rPr lang="en-US" smtClean="0"/>
               <a:pPr/>
-              <a:t>9/25/2012</a:t>
+              <a:t>2/14/2020</a:t>
             </a:fld>
             <a:endParaRPr lang="en-US"/>
           </a:p>
@@ -1043,7 +1043,7 @@
             <a:fld id="{09195D82-D22B-4347-BB61-719E2A559A50}" type="datetimeFigureOut">
               <a:rPr lang="en-US" smtClean="0"/>
               <a:pPr/>
-              <a:t>9/25/2012</a:t>
+              <a:t>2/14/2020</a:t>
             </a:fld>
             <a:endParaRPr lang="en-US"/>
           </a:p>
@@ -1328,7 +1328,7 @@
             <a:fld id="{09195D82-D22B-4347-BB61-719E2A559A50}" type="datetimeFigureOut">
               <a:rPr lang="en-US" smtClean="0"/>
               <a:pPr/>
-              <a:t>9/25/2012</a:t>
+              <a:t>2/14/2020</a:t>
             </a:fld>
             <a:endParaRPr lang="en-US"/>
           </a:p>
@@ -1747,7 +1747,7 @@
             <a:fld id="{09195D82-D22B-4347-BB61-719E2A559A50}" type="datetimeFigureOut">
               <a:rPr lang="en-US" smtClean="0"/>
               <a:pPr/>
-              <a:t>9/25/2012</a:t>
+              <a:t>2/14/2020</a:t>
             </a:fld>
             <a:endParaRPr lang="en-US"/>
           </a:p>
@@ -1862,7 +1862,7 @@
             <a:fld id="{09195D82-D22B-4347-BB61-719E2A559A50}" type="datetimeFigureOut">
               <a:rPr lang="en-US" smtClean="0"/>
               <a:pPr/>
-              <a:t>9/25/2012</a:t>
+              <a:t>2/14/2020</a:t>
             </a:fld>
             <a:endParaRPr lang="en-US"/>
           </a:p>
@@ -1954,7 +1954,7 @@
             <a:fld id="{09195D82-D22B-4347-BB61-719E2A559A50}" type="datetimeFigureOut">
               <a:rPr lang="en-US" smtClean="0"/>
               <a:pPr/>
-              <a:t>9/25/2012</a:t>
+              <a:t>2/14/2020</a:t>
             </a:fld>
             <a:endParaRPr lang="en-US"/>
           </a:p>
@@ -2228,7 +2228,7 @@
             <a:fld id="{09195D82-D22B-4347-BB61-719E2A559A50}" type="datetimeFigureOut">
               <a:rPr lang="en-US" smtClean="0"/>
               <a:pPr/>
-              <a:t>9/25/2012</a:t>
+              <a:t>2/14/2020</a:t>
             </a:fld>
             <a:endParaRPr lang="en-US"/>
           </a:p>
@@ -2478,7 +2478,7 @@
             <a:fld id="{09195D82-D22B-4347-BB61-719E2A559A50}" type="datetimeFigureOut">
               <a:rPr lang="en-US" smtClean="0"/>
               <a:pPr/>
-              <a:t>9/25/2012</a:t>
+              <a:t>2/14/2020</a:t>
             </a:fld>
             <a:endParaRPr lang="en-US"/>
           </a:p>
@@ -2688,7 +2688,7 @@
             <a:fld id="{09195D82-D22B-4347-BB61-719E2A559A50}" type="datetimeFigureOut">
               <a:rPr lang="en-US" smtClean="0"/>
               <a:pPr/>
-              <a:t>9/25/2012</a:t>
+              <a:t>2/14/2020</a:t>
             </a:fld>
             <a:endParaRPr lang="en-US"/>
           </a:p>
@@ -3113,7 +3113,7 @@
         </p:nvSpPr>
         <p:spPr>
           <a:xfrm>
-            <a:off x="409380" y="5715001"/>
+            <a:off x="304800" y="5715000"/>
             <a:ext cx="8793285" cy="1005201"/>
           </a:xfrm>
           <a:prstGeom prst="rect">
